--- a/docs/second_delivery/INTERNET of TUNNEL.pptx
+++ b/docs/second_delivery/INTERNET of TUNNEL.pptx
@@ -10,9 +10,10 @@
     <p:sldId id="258" r:id="rId4"/>
     <p:sldId id="259" r:id="rId5"/>
     <p:sldId id="260" r:id="rId6"/>
-    <p:sldId id="262" r:id="rId7"/>
-    <p:sldId id="261" r:id="rId8"/>
-    <p:sldId id="263" r:id="rId9"/>
+    <p:sldId id="264" r:id="rId7"/>
+    <p:sldId id="262" r:id="rId8"/>
+    <p:sldId id="261" r:id="rId9"/>
+    <p:sldId id="263" r:id="rId10"/>
   </p:sldIdLst>
   <p:sldSz cx="12192000" cy="6858000"/>
   <p:notesSz cx="6858000" cy="9144000"/>
@@ -111,6 +112,11 @@
       </a:defRPr>
     </a:lvl9pPr>
   </p:defaultTextStyle>
+  <p:extLst>
+    <p:ext uri="{EFAFB233-063F-42B5-8137-9DF3F51BA10A}">
+      <p15:sldGuideLst xmlns:p15="http://schemas.microsoft.com/office/powerpoint/2012/main"/>
+    </p:ext>
+  </p:extLst>
 </p:presentation>
 </file>
 
@@ -6595,41 +6601,12 @@
           <a:chExt cx="0" cy="0"/>
         </a:xfrm>
       </p:grpSpPr>
-      <p:pic>
-        <p:nvPicPr>
-          <p:cNvPr id="13" name="Picture 4" descr="Graph on document with pen">
-            <a:extLst>
-              <a:ext uri="{FF2B5EF4-FFF2-40B4-BE49-F238E27FC236}">
-                <a16:creationId xmlns:a16="http://schemas.microsoft.com/office/drawing/2014/main" id="{855EBF1C-BBAC-6762-A765-D30677859B15}"/>
-              </a:ext>
-            </a:extLst>
-          </p:cNvPr>
-          <p:cNvPicPr>
-            <a:picLocks noChangeAspect="1"/>
-          </p:cNvPicPr>
-          <p:nvPr/>
-        </p:nvPicPr>
-        <p:blipFill rotWithShape="1">
-          <a:blip r:embed="rId2"/>
-          <a:srcRect t="1510" b="14220"/>
-          <a:stretch/>
-        </p:blipFill>
-        <p:spPr>
-          <a:xfrm>
-            <a:off x="20" y="-157306"/>
-            <a:ext cx="12191980" cy="6857988"/>
-          </a:xfrm>
-          <a:prstGeom prst="rect">
-            <a:avLst/>
-          </a:prstGeom>
-        </p:spPr>
-      </p:pic>
-      <p:sp>
-        <p:nvSpPr>
-          <p:cNvPr id="14" name="Rectangle 8">
-            <a:extLst>
-              <a:ext uri="{FF2B5EF4-FFF2-40B4-BE49-F238E27FC236}">
-                <a16:creationId xmlns:a16="http://schemas.microsoft.com/office/drawing/2014/main" id="{9831CBB7-4817-4B54-A7F9-0AE2D0C47870}"/>
+      <p:sp>
+        <p:nvSpPr>
+          <p:cNvPr id="1031" name="Rectangle 1030">
+            <a:extLst>
+              <a:ext uri="{FF2B5EF4-FFF2-40B4-BE49-F238E27FC236}">
+                <a16:creationId xmlns:a16="http://schemas.microsoft.com/office/drawing/2014/main" id="{E9751CB9-7B25-4EB8-9A6F-82F822549F12}"/>
               </a:ext>
               <a:ext uri="{C183D7F6-B498-43B3-948B-1728B52AA6E4}">
                 <adec:decorative xmlns:adec="http://schemas.microsoft.com/office/drawing/2017/decorative" val="1"/>
@@ -6649,8 +6626,8 @@
         </p:nvSpPr>
         <p:spPr>
           <a:xfrm>
-            <a:off x="6667029" y="457200"/>
-            <a:ext cx="5010912" cy="91440"/>
+            <a:off x="0" y="0"/>
+            <a:ext cx="12192000" cy="6858000"/>
           </a:xfrm>
           <a:prstGeom prst="rect">
             <a:avLst/>
@@ -6661,29 +6638,38 @@
           <a:ln>
             <a:noFill/>
           </a:ln>
-          <a:effectLst/>
         </p:spPr>
         <p:style>
-          <a:lnRef idx="1">
-            <a:schemeClr val="accent1"/>
+          <a:lnRef idx="2">
+            <a:schemeClr val="accent1">
+              <a:shade val="50000"/>
+            </a:schemeClr>
           </a:lnRef>
-          <a:fillRef idx="3">
+          <a:fillRef idx="1">
             <a:schemeClr val="accent1"/>
           </a:fillRef>
-          <a:effectRef idx="2">
+          <a:effectRef idx="0">
             <a:schemeClr val="accent1"/>
           </a:effectRef>
           <a:fontRef idx="minor">
             <a:schemeClr val="lt1"/>
           </a:fontRef>
         </p:style>
-      </p:sp>
-      <p:sp>
-        <p:nvSpPr>
-          <p:cNvPr id="15" name="Rectangle 10">
-            <a:extLst>
-              <a:ext uri="{FF2B5EF4-FFF2-40B4-BE49-F238E27FC236}">
-                <a16:creationId xmlns:a16="http://schemas.microsoft.com/office/drawing/2014/main" id="{96BC321D-B05F-4857-8880-97F61B9B7858}"/>
+        <p:txBody>
+          <a:bodyPr rtlCol="0" anchor="ctr"/>
+          <a:lstStyle/>
+          <a:p>
+            <a:pPr algn="ctr"/>
+            <a:endParaRPr lang="en-US"/>
+          </a:p>
+        </p:txBody>
+      </p:sp>
+      <p:sp>
+        <p:nvSpPr>
+          <p:cNvPr id="1033" name="Rectangle 1032">
+            <a:extLst>
+              <a:ext uri="{FF2B5EF4-FFF2-40B4-BE49-F238E27FC236}">
+                <a16:creationId xmlns:a16="http://schemas.microsoft.com/office/drawing/2014/main" id="{E1317383-CF3B-4B02-9512-BECBEF6362A4}"/>
               </a:ext>
               <a:ext uri="{C183D7F6-B498-43B3-948B-1728B52AA6E4}">
                 <adec:decorative xmlns:adec="http://schemas.microsoft.com/office/drawing/2017/decorative" val="1"/>
@@ -6703,14 +6689,14 @@
         </p:nvSpPr>
         <p:spPr>
           <a:xfrm>
-            <a:off x="6667791" y="601200"/>
-            <a:ext cx="5009388" cy="5789365"/>
+            <a:off x="446534" y="457200"/>
+            <a:ext cx="3703320" cy="94997"/>
           </a:xfrm>
           <a:prstGeom prst="rect">
             <a:avLst/>
           </a:prstGeom>
           <a:solidFill>
-            <a:srgbClr val="FFFFFF"/>
+            <a:srgbClr val="465359"/>
           </a:solidFill>
           <a:ln>
             <a:noFill/>
@@ -6734,10 +6720,172 @@
       </p:sp>
       <p:sp>
         <p:nvSpPr>
+          <p:cNvPr id="1035" name="Rectangle 1034">
+            <a:extLst>
+              <a:ext uri="{FF2B5EF4-FFF2-40B4-BE49-F238E27FC236}">
+                <a16:creationId xmlns:a16="http://schemas.microsoft.com/office/drawing/2014/main" id="{B1D4C7A0-6DF2-4F2D-A45D-F111582974C7}"/>
+              </a:ext>
+              <a:ext uri="{C183D7F6-B498-43B3-948B-1728B52AA6E4}">
+                <adec:decorative xmlns:adec="http://schemas.microsoft.com/office/drawing/2017/decorative" val="1"/>
+              </a:ext>
+            </a:extLst>
+          </p:cNvPr>
+          <p:cNvSpPr>
+            <a:spLocks noGrp="1" noRot="1" noChangeAspect="1" noMove="1" noResize="1" noEditPoints="1" noAdjustHandles="1" noChangeArrowheads="1" noChangeShapeType="1" noTextEdit="1"/>
+          </p:cNvSpPr>
+          <p:nvPr>
+            <p:extLst>
+              <p:ext uri="{386F3935-93C4-4BCD-93E2-E3B085C9AB24}">
+                <p16:designElem xmlns:p16="http://schemas.microsoft.com/office/powerpoint/2015/main" val="1"/>
+              </p:ext>
+            </p:extLst>
+          </p:nvPr>
+        </p:nvSpPr>
+        <p:spPr>
+          <a:xfrm>
+            <a:off x="4241830" y="457200"/>
+            <a:ext cx="3703320" cy="91440"/>
+          </a:xfrm>
+          <a:prstGeom prst="rect">
+            <a:avLst/>
+          </a:prstGeom>
+          <a:solidFill>
+            <a:schemeClr val="accent1"/>
+          </a:solidFill>
+          <a:ln>
+            <a:noFill/>
+          </a:ln>
+          <a:effectLst/>
+        </p:spPr>
+        <p:style>
+          <a:lnRef idx="1">
+            <a:schemeClr val="accent1"/>
+          </a:lnRef>
+          <a:fillRef idx="3">
+            <a:schemeClr val="accent1"/>
+          </a:fillRef>
+          <a:effectRef idx="2">
+            <a:schemeClr val="accent1"/>
+          </a:effectRef>
+          <a:fontRef idx="minor">
+            <a:schemeClr val="lt1"/>
+          </a:fontRef>
+        </p:style>
+      </p:sp>
+      <p:sp>
+        <p:nvSpPr>
+          <p:cNvPr id="1037" name="Rectangle 1036">
+            <a:extLst>
+              <a:ext uri="{FF2B5EF4-FFF2-40B4-BE49-F238E27FC236}">
+                <a16:creationId xmlns:a16="http://schemas.microsoft.com/office/drawing/2014/main" id="{DBF3943D-BCB6-4B31-809D-A005686483B4}"/>
+              </a:ext>
+              <a:ext uri="{C183D7F6-B498-43B3-948B-1728B52AA6E4}">
+                <adec:decorative xmlns:adec="http://schemas.microsoft.com/office/drawing/2017/decorative" val="1"/>
+              </a:ext>
+            </a:extLst>
+          </p:cNvPr>
+          <p:cNvSpPr>
+            <a:spLocks noGrp="1" noRot="1" noChangeAspect="1" noMove="1" noResize="1" noEditPoints="1" noAdjustHandles="1" noChangeArrowheads="1" noChangeShapeType="1" noTextEdit="1"/>
+          </p:cNvSpPr>
+          <p:nvPr>
+            <p:extLst>
+              <p:ext uri="{386F3935-93C4-4BCD-93E2-E3B085C9AB24}">
+                <p16:designElem xmlns:p16="http://schemas.microsoft.com/office/powerpoint/2015/main" val="1"/>
+              </p:ext>
+            </p:extLst>
+          </p:nvPr>
+        </p:nvSpPr>
+        <p:spPr>
+          <a:xfrm>
+            <a:off x="8042147" y="453643"/>
+            <a:ext cx="3703320" cy="98554"/>
+          </a:xfrm>
+          <a:prstGeom prst="rect">
+            <a:avLst/>
+          </a:prstGeom>
+          <a:solidFill>
+            <a:srgbClr val="969FA7"/>
+          </a:solidFill>
+          <a:ln>
+            <a:noFill/>
+          </a:ln>
+          <a:effectLst/>
+        </p:spPr>
+        <p:style>
+          <a:lnRef idx="1">
+            <a:schemeClr val="accent1"/>
+          </a:lnRef>
+          <a:fillRef idx="3">
+            <a:schemeClr val="accent1"/>
+          </a:fillRef>
+          <a:effectRef idx="2">
+            <a:schemeClr val="accent1"/>
+          </a:effectRef>
+          <a:fontRef idx="minor">
+            <a:schemeClr val="lt1"/>
+          </a:fontRef>
+        </p:style>
+      </p:sp>
+      <p:sp>
+        <p:nvSpPr>
+          <p:cNvPr id="1039" name="Rectangle 1038">
+            <a:extLst>
+              <a:ext uri="{FF2B5EF4-FFF2-40B4-BE49-F238E27FC236}">
+                <a16:creationId xmlns:a16="http://schemas.microsoft.com/office/drawing/2014/main" id="{39373A6F-2E1F-4613-8E1D-D68057D29F31}"/>
+              </a:ext>
+              <a:ext uri="{C183D7F6-B498-43B3-948B-1728B52AA6E4}">
+                <adec:decorative xmlns:adec="http://schemas.microsoft.com/office/drawing/2017/decorative" val="1"/>
+              </a:ext>
+            </a:extLst>
+          </p:cNvPr>
+          <p:cNvSpPr>
+            <a:spLocks noGrp="1" noRot="1" noChangeAspect="1" noMove="1" noResize="1" noEditPoints="1" noAdjustHandles="1" noChangeArrowheads="1" noChangeShapeType="1" noTextEdit="1"/>
+          </p:cNvSpPr>
+          <p:nvPr>
+            <p:extLst>
+              <p:ext uri="{386F3935-93C4-4BCD-93E2-E3B085C9AB24}">
+                <p16:designElem xmlns:p16="http://schemas.microsoft.com/office/powerpoint/2015/main" val="1"/>
+              </p:ext>
+            </p:extLst>
+          </p:nvPr>
+        </p:nvSpPr>
+        <p:spPr>
+          <a:xfrm>
+            <a:off x="442377" y="601200"/>
+            <a:ext cx="3707477" cy="5624979"/>
+          </a:xfrm>
+          <a:prstGeom prst="rect">
+            <a:avLst/>
+          </a:prstGeom>
+          <a:solidFill>
+            <a:srgbClr val="465359"/>
+          </a:solidFill>
+          <a:ln>
+            <a:noFill/>
+          </a:ln>
+          <a:effectLst/>
+        </p:spPr>
+        <p:style>
+          <a:lnRef idx="1">
+            <a:schemeClr val="accent1"/>
+          </a:lnRef>
+          <a:fillRef idx="3">
+            <a:schemeClr val="accent1"/>
+          </a:fillRef>
+          <a:effectRef idx="2">
+            <a:schemeClr val="accent1"/>
+          </a:effectRef>
+          <a:fontRef idx="minor">
+            <a:schemeClr val="lt1"/>
+          </a:fontRef>
+        </p:style>
+      </p:sp>
+      <p:sp>
+        <p:nvSpPr>
           <p:cNvPr id="2" name="Titre 1">
             <a:extLst>
               <a:ext uri="{FF2B5EF4-FFF2-40B4-BE49-F238E27FC236}">
-                <a16:creationId xmlns:a16="http://schemas.microsoft.com/office/drawing/2014/main" id="{9F6D9111-E3C4-6F5C-0F2E-2DF312AD4BD4}"/>
+                <a16:creationId xmlns:a16="http://schemas.microsoft.com/office/drawing/2014/main" id="{64CCA7A6-7BDE-D7E6-970A-DE72CA804D92}"/>
               </a:ext>
             </a:extLst>
           </p:cNvPr>
@@ -6750,333 +6898,142 @@
         </p:nvSpPr>
         <p:spPr>
           <a:xfrm>
-            <a:off x="6966184" y="938022"/>
-            <a:ext cx="4389261" cy="1188720"/>
-          </a:xfrm>
-        </p:spPr>
-        <p:txBody>
-          <a:bodyPr>
+            <a:off x="601255" y="702155"/>
+            <a:ext cx="3409783" cy="1300365"/>
+          </a:xfrm>
+        </p:spPr>
+        <p:txBody>
+          <a:bodyPr vert="horz" lIns="91440" tIns="45720" rIns="91440" bIns="45720" rtlCol="0" anchor="b">
             <a:normAutofit/>
           </a:bodyPr>
           <a:lstStyle/>
           <a:p>
             <a:r>
-              <a:rPr lang="es-ES" dirty="0" err="1"/>
-              <a:t>measurements</a:t>
-            </a:r>
-            <a:endParaRPr lang="es-ES_tradnl" dirty="0"/>
-          </a:p>
-        </p:txBody>
-      </p:sp>
-      <p:sp>
-        <p:nvSpPr>
-          <p:cNvPr id="3" name="Espace réservé du contenu 2">
-            <a:extLst>
-              <a:ext uri="{FF2B5EF4-FFF2-40B4-BE49-F238E27FC236}">
-                <a16:creationId xmlns:a16="http://schemas.microsoft.com/office/drawing/2014/main" id="{E309EED9-BB65-CD6A-A6FD-6D0FD3DE46BC}"/>
-              </a:ext>
-            </a:extLst>
-          </p:cNvPr>
-          <p:cNvSpPr>
-            <a:spLocks noGrp="1"/>
-          </p:cNvSpPr>
-          <p:nvPr>
-            <p:ph idx="1"/>
-          </p:nvPr>
-        </p:nvSpPr>
-        <p:spPr>
-          <a:xfrm>
-            <a:off x="6966184" y="2340865"/>
-            <a:ext cx="4389262" cy="3788474"/>
-          </a:xfrm>
-        </p:spPr>
-        <p:txBody>
-          <a:bodyPr>
+              <a:rPr lang="en-US" sz="2800">
+                <a:solidFill>
+                  <a:srgbClr val="FFFFFF"/>
+                </a:solidFill>
+              </a:rPr>
+              <a:t>PISTON EFFECT</a:t>
+            </a:r>
+          </a:p>
+        </p:txBody>
+      </p:sp>
+      <p:sp>
+        <p:nvSpPr>
+          <p:cNvPr id="4" name="ZoneTexte 3">
+            <a:extLst>
+              <a:ext uri="{FF2B5EF4-FFF2-40B4-BE49-F238E27FC236}">
+                <a16:creationId xmlns:a16="http://schemas.microsoft.com/office/drawing/2014/main" id="{35B9A22F-A41A-1713-D891-3CD870DB84A6}"/>
+              </a:ext>
+            </a:extLst>
+          </p:cNvPr>
+          <p:cNvSpPr txBox="1"/>
+          <p:nvPr/>
+        </p:nvSpPr>
+        <p:spPr>
+          <a:xfrm>
+            <a:off x="601255" y="2177142"/>
+            <a:ext cx="3409782" cy="3823607"/>
+          </a:xfrm>
+          <a:prstGeom prst="rect">
+            <a:avLst/>
+          </a:prstGeom>
+        </p:spPr>
+        <p:txBody>
+          <a:bodyPr vert="horz" lIns="91440" tIns="45720" rIns="91440" bIns="45720" rtlCol="0" anchor="ctr">
             <a:normAutofit/>
           </a:bodyPr>
           <a:lstStyle/>
           <a:p>
-            <a:pPr marL="0" indent="0">
-              <a:buNone/>
+            <a:pPr defTabSz="457200">
+              <a:spcBef>
+                <a:spcPct val="20000"/>
+              </a:spcBef>
+              <a:spcAft>
+                <a:spcPts val="600"/>
+              </a:spcAft>
+              <a:buClr>
+                <a:schemeClr val="accent1"/>
+              </a:buClr>
+              <a:buSzPct val="92000"/>
+              <a:buFont typeface="Wingdings 2" panose="05020102010507070707" pitchFamily="18" charset="2"/>
+              <a:buChar char=""/>
             </a:pPr>
             <a:r>
-              <a:rPr lang="es-ES" dirty="0"/>
-              <a:t>AIR QUALITY:</a:t>
-            </a:r>
-          </a:p>
-          <a:p>
-            <a:r>
-              <a:rPr lang="es-ES" dirty="0"/>
-              <a:t>Normal </a:t>
-            </a:r>
-            <a:r>
-              <a:rPr lang="es-ES" dirty="0" err="1"/>
-              <a:t>conditions</a:t>
-            </a:r>
-            <a:r>
-              <a:rPr lang="es-ES" dirty="0"/>
-              <a:t> </a:t>
-            </a:r>
-            <a:r>
-              <a:rPr lang="es-ES" dirty="0" err="1"/>
-              <a:t>every</a:t>
-            </a:r>
-            <a:r>
-              <a:rPr lang="es-ES" dirty="0"/>
-              <a:t> 10 minutes</a:t>
-            </a:r>
-          </a:p>
-          <a:p>
-            <a:r>
-              <a:rPr lang="es-ES" dirty="0"/>
-              <a:t>High </a:t>
-            </a:r>
-            <a:r>
-              <a:rPr lang="es-ES" dirty="0" err="1"/>
-              <a:t>concentation</a:t>
-            </a:r>
-            <a:r>
-              <a:rPr lang="es-ES" dirty="0"/>
-              <a:t> </a:t>
-            </a:r>
-            <a:r>
-              <a:rPr lang="es-ES" dirty="0" err="1"/>
-              <a:t>of</a:t>
-            </a:r>
-            <a:r>
-              <a:rPr lang="es-ES" dirty="0"/>
-              <a:t> </a:t>
-            </a:r>
-            <a:r>
-              <a:rPr lang="es-ES" dirty="0" err="1"/>
-              <a:t>pollutant</a:t>
-            </a:r>
-            <a:r>
-              <a:rPr lang="es-ES" dirty="0"/>
-              <a:t> </a:t>
-            </a:r>
-            <a:r>
-              <a:rPr lang="es-ES" dirty="0" err="1"/>
-              <a:t>every</a:t>
-            </a:r>
-            <a:r>
-              <a:rPr lang="es-ES" dirty="0"/>
-              <a:t> 6, 10, 17 </a:t>
-            </a:r>
-            <a:r>
-              <a:rPr lang="es-ES" dirty="0" err="1"/>
-              <a:t>seconds</a:t>
-            </a:r>
-            <a:r>
-              <a:rPr lang="es-ES" dirty="0"/>
-              <a:t>.</a:t>
-            </a:r>
-          </a:p>
-          <a:p>
-            <a:pPr marL="0" indent="0">
-              <a:buNone/>
-            </a:pPr>
-            <a:r>
-              <a:rPr lang="es-ES" dirty="0"/>
-              <a:t>LIGHT CONDITIONS</a:t>
-            </a:r>
-          </a:p>
-          <a:p>
-            <a:r>
-              <a:rPr lang="es-ES" dirty="0"/>
-              <a:t>In normal </a:t>
-            </a:r>
-            <a:r>
-              <a:rPr lang="es-ES" dirty="0" err="1"/>
-              <a:t>conditions</a:t>
-            </a:r>
-            <a:r>
-              <a:rPr lang="es-ES" dirty="0"/>
-              <a:t> </a:t>
-            </a:r>
-            <a:r>
-              <a:rPr lang="es-ES" dirty="0" err="1"/>
-              <a:t>every</a:t>
-            </a:r>
-            <a:r>
-              <a:rPr lang="es-ES" dirty="0"/>
-              <a:t> 15 </a:t>
-            </a:r>
-            <a:r>
-              <a:rPr lang="es-ES" dirty="0" err="1"/>
-              <a:t>miniutes</a:t>
-            </a:r>
-            <a:r>
-              <a:rPr lang="es-ES" dirty="0"/>
-              <a:t>, </a:t>
-            </a:r>
-            <a:r>
-              <a:rPr lang="es-ES" dirty="0" err="1"/>
-              <a:t>it</a:t>
-            </a:r>
-            <a:r>
-              <a:rPr lang="es-ES" dirty="0"/>
-              <a:t> </a:t>
-            </a:r>
-            <a:r>
-              <a:rPr lang="es-ES" dirty="0" err="1"/>
-              <a:t>is</a:t>
-            </a:r>
-            <a:r>
-              <a:rPr lang="es-ES" dirty="0"/>
-              <a:t> </a:t>
-            </a:r>
-            <a:r>
-              <a:rPr lang="es-ES" dirty="0" err="1"/>
-              <a:t>the</a:t>
-            </a:r>
-            <a:r>
-              <a:rPr lang="es-ES" dirty="0"/>
-              <a:t> time </a:t>
-            </a:r>
-            <a:r>
-              <a:rPr lang="es-ES" dirty="0" err="1"/>
-              <a:t>for</a:t>
-            </a:r>
-            <a:r>
-              <a:rPr lang="es-ES" dirty="0"/>
-              <a:t> a </a:t>
-            </a:r>
-            <a:r>
-              <a:rPr lang="es-ES" dirty="0" err="1"/>
-              <a:t>thunderstorm</a:t>
-            </a:r>
-            <a:r>
-              <a:rPr lang="es-ES" dirty="0"/>
-              <a:t> </a:t>
-            </a:r>
-            <a:r>
-              <a:rPr lang="es-ES" dirty="0" err="1"/>
-              <a:t>to</a:t>
-            </a:r>
-            <a:r>
-              <a:rPr lang="es-ES" dirty="0"/>
-              <a:t> </a:t>
-            </a:r>
-            <a:r>
-              <a:rPr lang="es-ES" dirty="0" err="1"/>
-              <a:t>arrive</a:t>
-            </a:r>
-            <a:r>
-              <a:rPr lang="es-ES" dirty="0"/>
-              <a:t> </a:t>
-            </a:r>
-            <a:r>
-              <a:rPr lang="es-ES" dirty="0" err="1"/>
-              <a:t>or</a:t>
-            </a:r>
-            <a:r>
-              <a:rPr lang="es-ES" dirty="0"/>
-              <a:t> </a:t>
-            </a:r>
-            <a:r>
-              <a:rPr lang="es-ES" dirty="0" err="1"/>
-              <a:t>for</a:t>
-            </a:r>
-            <a:r>
-              <a:rPr lang="es-ES" dirty="0"/>
-              <a:t> </a:t>
-            </a:r>
-            <a:r>
-              <a:rPr lang="es-ES" dirty="0" err="1"/>
-              <a:t>the</a:t>
-            </a:r>
-            <a:r>
-              <a:rPr lang="es-ES" dirty="0"/>
-              <a:t> </a:t>
-            </a:r>
-            <a:r>
-              <a:rPr lang="es-ES" dirty="0" err="1"/>
-              <a:t>sunset</a:t>
-            </a:r>
-            <a:r>
-              <a:rPr lang="es-ES" dirty="0"/>
-              <a:t>.</a:t>
-            </a:r>
-          </a:p>
-          <a:p>
-            <a:r>
-              <a:rPr lang="es-ES" dirty="0" err="1"/>
-              <a:t>If</a:t>
-            </a:r>
-            <a:r>
-              <a:rPr lang="es-ES" dirty="0"/>
-              <a:t> </a:t>
-            </a:r>
-            <a:r>
-              <a:rPr lang="es-ES" dirty="0" err="1"/>
-              <a:t>high</a:t>
-            </a:r>
-            <a:r>
-              <a:rPr lang="es-ES" dirty="0"/>
-              <a:t> </a:t>
-            </a:r>
-            <a:r>
-              <a:rPr lang="es-ES" dirty="0" err="1"/>
-              <a:t>variation</a:t>
-            </a:r>
-            <a:r>
-              <a:rPr lang="es-ES" dirty="0"/>
-              <a:t> </a:t>
-            </a:r>
-            <a:r>
-              <a:rPr lang="es-ES" dirty="0" err="1"/>
-              <a:t>of</a:t>
-            </a:r>
-            <a:r>
-              <a:rPr lang="es-ES" dirty="0"/>
-              <a:t> light </a:t>
-            </a:r>
-            <a:r>
-              <a:rPr lang="es-ES" dirty="0" err="1"/>
-              <a:t>during</a:t>
-            </a:r>
-            <a:r>
-              <a:rPr lang="es-ES" dirty="0"/>
-              <a:t> </a:t>
-            </a:r>
-            <a:r>
-              <a:rPr lang="es-ES" dirty="0" err="1"/>
-              <a:t>measurements</a:t>
-            </a:r>
-            <a:r>
-              <a:rPr lang="es-ES" dirty="0"/>
-              <a:t> </a:t>
-            </a:r>
-            <a:r>
-              <a:rPr lang="es-ES" dirty="0" err="1"/>
-              <a:t>it</a:t>
-            </a:r>
-            <a:r>
-              <a:rPr lang="es-ES" dirty="0"/>
-              <a:t> </a:t>
-            </a:r>
-            <a:r>
-              <a:rPr lang="es-ES" dirty="0" err="1"/>
-              <a:t>decreases</a:t>
-            </a:r>
-            <a:r>
-              <a:rPr lang="es-ES" dirty="0"/>
-              <a:t>.</a:t>
-            </a:r>
-            <a:endParaRPr lang="es-ES_tradnl" dirty="0"/>
-          </a:p>
-        </p:txBody>
-      </p:sp>
+              <a:rPr lang="en-US" b="0" i="0" dirty="0">
+                <a:solidFill>
+                  <a:srgbClr val="FFFFFF"/>
+                </a:solidFill>
+                <a:effectLst/>
+              </a:rPr>
+              <a:t>In open air, when a vehicle travels along, air pushed aside can move in any direction except into the ground.</a:t>
+            </a:r>
+            <a:endParaRPr lang="en-US" dirty="0">
+              <a:solidFill>
+                <a:srgbClr val="FFFFFF"/>
+              </a:solidFill>
+            </a:endParaRPr>
+          </a:p>
+        </p:txBody>
+      </p:sp>
+      <p:pic>
+        <p:nvPicPr>
+          <p:cNvPr id="1026" name="Picture 2" descr="undefined">
+            <a:extLst>
+              <a:ext uri="{FF2B5EF4-FFF2-40B4-BE49-F238E27FC236}">
+                <a16:creationId xmlns:a16="http://schemas.microsoft.com/office/drawing/2014/main" id="{D96CD496-EAE4-821F-A091-5E5E714DC6B3}"/>
+              </a:ext>
+            </a:extLst>
+          </p:cNvPr>
+          <p:cNvPicPr>
+            <a:picLocks noGrp="1" noChangeAspect="1" noChangeArrowheads="1"/>
+          </p:cNvPicPr>
+          <p:nvPr>
+            <p:ph idx="1"/>
+          </p:nvPr>
+        </p:nvPicPr>
+        <p:blipFill>
+          <a:blip r:embed="rId2">
+            <a:extLst>
+              <a:ext uri="{28A0092B-C50C-407E-A947-70E740481C1C}">
+                <a14:useLocalDpi xmlns:a14="http://schemas.microsoft.com/office/drawing/2010/main" val="0"/>
+              </a:ext>
+            </a:extLst>
+          </a:blip>
+          <a:stretch>
+            <a:fillRect/>
+          </a:stretch>
+        </p:blipFill>
+        <p:spPr bwMode="auto">
+          <a:xfrm>
+            <a:off x="4592231" y="2378490"/>
+            <a:ext cx="6831503" cy="2083607"/>
+          </a:xfrm>
+          <a:prstGeom prst="rect">
+            <a:avLst/>
+          </a:prstGeom>
+          <a:noFill/>
+          <a:extLst>
+            <a:ext uri="{909E8E84-426E-40DD-AFC4-6F175D3DCCD1}">
+              <a14:hiddenFill xmlns:a14="http://schemas.microsoft.com/office/drawing/2010/main">
+                <a:solidFill>
+                  <a:srgbClr val="FFFFFF"/>
+                </a:solidFill>
+              </a14:hiddenFill>
+            </a:ext>
+          </a:extLst>
+        </p:spPr>
+      </p:pic>
     </p:spTree>
     <p:extLst>
       <p:ext uri="{BB962C8B-B14F-4D97-AF65-F5344CB8AC3E}">
-        <p14:creationId xmlns:p14="http://schemas.microsoft.com/office/powerpoint/2010/main" val="2328643667"/>
+        <p14:creationId xmlns:p14="http://schemas.microsoft.com/office/powerpoint/2010/main" val="1473283546"/>
       </p:ext>
     </p:extLst>
   </p:cSld>
   <p:clrMapOvr>
-    <a:masterClrMapping/>
+    <a:overrideClrMapping bg1="dk1" tx1="lt1" bg2="dk2" tx2="lt2" accent1="accent1" accent2="accent2" accent3="accent3" accent4="accent4" accent5="accent5" accent6="accent6" hlink="hlink" folHlink="folHlink"/>
   </p:clrMapOvr>
 </p:sld>
 </file>
@@ -7106,6 +7063,517 @@
           <a:chExt cx="0" cy="0"/>
         </a:xfrm>
       </p:grpSpPr>
+      <p:pic>
+        <p:nvPicPr>
+          <p:cNvPr id="13" name="Picture 4" descr="Graph on document with pen">
+            <a:extLst>
+              <a:ext uri="{FF2B5EF4-FFF2-40B4-BE49-F238E27FC236}">
+                <a16:creationId xmlns:a16="http://schemas.microsoft.com/office/drawing/2014/main" id="{855EBF1C-BBAC-6762-A765-D30677859B15}"/>
+              </a:ext>
+            </a:extLst>
+          </p:cNvPr>
+          <p:cNvPicPr>
+            <a:picLocks noChangeAspect="1"/>
+          </p:cNvPicPr>
+          <p:nvPr/>
+        </p:nvPicPr>
+        <p:blipFill rotWithShape="1">
+          <a:blip r:embed="rId2"/>
+          <a:srcRect t="1510" b="14220"/>
+          <a:stretch/>
+        </p:blipFill>
+        <p:spPr>
+          <a:xfrm>
+            <a:off x="20" y="-157306"/>
+            <a:ext cx="12191980" cy="6857988"/>
+          </a:xfrm>
+          <a:prstGeom prst="rect">
+            <a:avLst/>
+          </a:prstGeom>
+        </p:spPr>
+      </p:pic>
+      <p:sp>
+        <p:nvSpPr>
+          <p:cNvPr id="14" name="Rectangle 8">
+            <a:extLst>
+              <a:ext uri="{FF2B5EF4-FFF2-40B4-BE49-F238E27FC236}">
+                <a16:creationId xmlns:a16="http://schemas.microsoft.com/office/drawing/2014/main" id="{9831CBB7-4817-4B54-A7F9-0AE2D0C47870}"/>
+              </a:ext>
+              <a:ext uri="{C183D7F6-B498-43B3-948B-1728B52AA6E4}">
+                <adec:decorative xmlns:adec="http://schemas.microsoft.com/office/drawing/2017/decorative" val="1"/>
+              </a:ext>
+            </a:extLst>
+          </p:cNvPr>
+          <p:cNvSpPr>
+            <a:spLocks noGrp="1" noRot="1" noChangeAspect="1" noMove="1" noResize="1" noEditPoints="1" noAdjustHandles="1" noChangeArrowheads="1" noChangeShapeType="1" noTextEdit="1"/>
+          </p:cNvSpPr>
+          <p:nvPr>
+            <p:extLst>
+              <p:ext uri="{386F3935-93C4-4BCD-93E2-E3B085C9AB24}">
+                <p16:designElem xmlns:p16="http://schemas.microsoft.com/office/powerpoint/2015/main" val="1"/>
+              </p:ext>
+            </p:extLst>
+          </p:nvPr>
+        </p:nvSpPr>
+        <p:spPr>
+          <a:xfrm>
+            <a:off x="6667029" y="457200"/>
+            <a:ext cx="5010912" cy="91440"/>
+          </a:xfrm>
+          <a:prstGeom prst="rect">
+            <a:avLst/>
+          </a:prstGeom>
+          <a:solidFill>
+            <a:srgbClr val="FFFFFF"/>
+          </a:solidFill>
+          <a:ln>
+            <a:noFill/>
+          </a:ln>
+          <a:effectLst/>
+        </p:spPr>
+        <p:style>
+          <a:lnRef idx="1">
+            <a:schemeClr val="accent1"/>
+          </a:lnRef>
+          <a:fillRef idx="3">
+            <a:schemeClr val="accent1"/>
+          </a:fillRef>
+          <a:effectRef idx="2">
+            <a:schemeClr val="accent1"/>
+          </a:effectRef>
+          <a:fontRef idx="minor">
+            <a:schemeClr val="lt1"/>
+          </a:fontRef>
+        </p:style>
+      </p:sp>
+      <p:sp>
+        <p:nvSpPr>
+          <p:cNvPr id="15" name="Rectangle 10">
+            <a:extLst>
+              <a:ext uri="{FF2B5EF4-FFF2-40B4-BE49-F238E27FC236}">
+                <a16:creationId xmlns:a16="http://schemas.microsoft.com/office/drawing/2014/main" id="{96BC321D-B05F-4857-8880-97F61B9B7858}"/>
+              </a:ext>
+              <a:ext uri="{C183D7F6-B498-43B3-948B-1728B52AA6E4}">
+                <adec:decorative xmlns:adec="http://schemas.microsoft.com/office/drawing/2017/decorative" val="1"/>
+              </a:ext>
+            </a:extLst>
+          </p:cNvPr>
+          <p:cNvSpPr>
+            <a:spLocks noGrp="1" noRot="1" noChangeAspect="1" noMove="1" noResize="1" noEditPoints="1" noAdjustHandles="1" noChangeArrowheads="1" noChangeShapeType="1" noTextEdit="1"/>
+          </p:cNvSpPr>
+          <p:nvPr>
+            <p:extLst>
+              <p:ext uri="{386F3935-93C4-4BCD-93E2-E3B085C9AB24}">
+                <p16:designElem xmlns:p16="http://schemas.microsoft.com/office/powerpoint/2015/main" val="1"/>
+              </p:ext>
+            </p:extLst>
+          </p:nvPr>
+        </p:nvSpPr>
+        <p:spPr>
+          <a:xfrm>
+            <a:off x="6667791" y="601200"/>
+            <a:ext cx="5009388" cy="5789365"/>
+          </a:xfrm>
+          <a:prstGeom prst="rect">
+            <a:avLst/>
+          </a:prstGeom>
+          <a:solidFill>
+            <a:srgbClr val="FFFFFF"/>
+          </a:solidFill>
+          <a:ln>
+            <a:noFill/>
+          </a:ln>
+          <a:effectLst/>
+        </p:spPr>
+        <p:style>
+          <a:lnRef idx="1">
+            <a:schemeClr val="accent1"/>
+          </a:lnRef>
+          <a:fillRef idx="3">
+            <a:schemeClr val="accent1"/>
+          </a:fillRef>
+          <a:effectRef idx="2">
+            <a:schemeClr val="accent1"/>
+          </a:effectRef>
+          <a:fontRef idx="minor">
+            <a:schemeClr val="lt1"/>
+          </a:fontRef>
+        </p:style>
+      </p:sp>
+      <p:sp>
+        <p:nvSpPr>
+          <p:cNvPr id="2" name="Titre 1">
+            <a:extLst>
+              <a:ext uri="{FF2B5EF4-FFF2-40B4-BE49-F238E27FC236}">
+                <a16:creationId xmlns:a16="http://schemas.microsoft.com/office/drawing/2014/main" id="{9F6D9111-E3C4-6F5C-0F2E-2DF312AD4BD4}"/>
+              </a:ext>
+            </a:extLst>
+          </p:cNvPr>
+          <p:cNvSpPr>
+            <a:spLocks noGrp="1"/>
+          </p:cNvSpPr>
+          <p:nvPr>
+            <p:ph type="title"/>
+          </p:nvPr>
+        </p:nvSpPr>
+        <p:spPr>
+          <a:xfrm>
+            <a:off x="6966184" y="938022"/>
+            <a:ext cx="4389261" cy="1188720"/>
+          </a:xfrm>
+        </p:spPr>
+        <p:txBody>
+          <a:bodyPr>
+            <a:normAutofit/>
+          </a:bodyPr>
+          <a:lstStyle/>
+          <a:p>
+            <a:r>
+              <a:rPr lang="es-ES" dirty="0" err="1"/>
+              <a:t>measurements</a:t>
+            </a:r>
+            <a:endParaRPr lang="es-ES_tradnl" dirty="0"/>
+          </a:p>
+        </p:txBody>
+      </p:sp>
+      <p:sp>
+        <p:nvSpPr>
+          <p:cNvPr id="3" name="Espace réservé du contenu 2">
+            <a:extLst>
+              <a:ext uri="{FF2B5EF4-FFF2-40B4-BE49-F238E27FC236}">
+                <a16:creationId xmlns:a16="http://schemas.microsoft.com/office/drawing/2014/main" id="{E309EED9-BB65-CD6A-A6FD-6D0FD3DE46BC}"/>
+              </a:ext>
+            </a:extLst>
+          </p:cNvPr>
+          <p:cNvSpPr>
+            <a:spLocks noGrp="1"/>
+          </p:cNvSpPr>
+          <p:nvPr>
+            <p:ph idx="1"/>
+          </p:nvPr>
+        </p:nvSpPr>
+        <p:spPr>
+          <a:xfrm>
+            <a:off x="6966184" y="2340865"/>
+            <a:ext cx="4389262" cy="3788474"/>
+          </a:xfrm>
+        </p:spPr>
+        <p:txBody>
+          <a:bodyPr>
+            <a:normAutofit/>
+          </a:bodyPr>
+          <a:lstStyle/>
+          <a:p>
+            <a:pPr marL="0" indent="0">
+              <a:buNone/>
+            </a:pPr>
+            <a:r>
+              <a:rPr lang="es-ES" dirty="0"/>
+              <a:t>AIR QUALITY:</a:t>
+            </a:r>
+          </a:p>
+          <a:p>
+            <a:r>
+              <a:rPr lang="es-ES" dirty="0"/>
+              <a:t>Normal </a:t>
+            </a:r>
+            <a:r>
+              <a:rPr lang="es-ES" dirty="0" err="1"/>
+              <a:t>conditions</a:t>
+            </a:r>
+            <a:r>
+              <a:rPr lang="es-ES" dirty="0"/>
+              <a:t> </a:t>
+            </a:r>
+            <a:r>
+              <a:rPr lang="es-ES" dirty="0" err="1"/>
+              <a:t>every</a:t>
+            </a:r>
+            <a:r>
+              <a:rPr lang="es-ES" dirty="0"/>
+              <a:t> 10 minutes</a:t>
+            </a:r>
+          </a:p>
+          <a:p>
+            <a:r>
+              <a:rPr lang="es-ES" dirty="0"/>
+              <a:t>High </a:t>
+            </a:r>
+            <a:r>
+              <a:rPr lang="es-ES" dirty="0" err="1"/>
+              <a:t>concentation</a:t>
+            </a:r>
+            <a:r>
+              <a:rPr lang="es-ES" dirty="0"/>
+              <a:t> </a:t>
+            </a:r>
+            <a:r>
+              <a:rPr lang="es-ES" dirty="0" err="1"/>
+              <a:t>of</a:t>
+            </a:r>
+            <a:r>
+              <a:rPr lang="es-ES" dirty="0"/>
+              <a:t> </a:t>
+            </a:r>
+            <a:r>
+              <a:rPr lang="es-ES" dirty="0" err="1"/>
+              <a:t>pollutant</a:t>
+            </a:r>
+            <a:r>
+              <a:rPr lang="es-ES" dirty="0"/>
+              <a:t> </a:t>
+            </a:r>
+            <a:r>
+              <a:rPr lang="es-ES" dirty="0" err="1"/>
+              <a:t>every</a:t>
+            </a:r>
+            <a:r>
+              <a:rPr lang="es-ES" dirty="0"/>
+              <a:t> 6, 10, 17 </a:t>
+            </a:r>
+            <a:r>
+              <a:rPr lang="es-ES" dirty="0" err="1"/>
+              <a:t>seconds</a:t>
+            </a:r>
+            <a:r>
+              <a:rPr lang="es-ES" dirty="0"/>
+              <a:t>.</a:t>
+            </a:r>
+          </a:p>
+          <a:p>
+            <a:pPr marL="0" indent="0">
+              <a:buNone/>
+            </a:pPr>
+            <a:r>
+              <a:rPr lang="es-ES" dirty="0"/>
+              <a:t>LIGHT CONDITIONS</a:t>
+            </a:r>
+          </a:p>
+          <a:p>
+            <a:r>
+              <a:rPr lang="es-ES" dirty="0"/>
+              <a:t>In normal </a:t>
+            </a:r>
+            <a:r>
+              <a:rPr lang="es-ES" dirty="0" err="1"/>
+              <a:t>conditions</a:t>
+            </a:r>
+            <a:r>
+              <a:rPr lang="es-ES" dirty="0"/>
+              <a:t> </a:t>
+            </a:r>
+            <a:r>
+              <a:rPr lang="es-ES" dirty="0" err="1"/>
+              <a:t>every</a:t>
+            </a:r>
+            <a:r>
+              <a:rPr lang="es-ES" dirty="0"/>
+              <a:t> 15 </a:t>
+            </a:r>
+            <a:r>
+              <a:rPr lang="es-ES" dirty="0" err="1"/>
+              <a:t>miniutes</a:t>
+            </a:r>
+            <a:r>
+              <a:rPr lang="es-ES" dirty="0"/>
+              <a:t>, </a:t>
+            </a:r>
+            <a:r>
+              <a:rPr lang="es-ES" dirty="0" err="1"/>
+              <a:t>it</a:t>
+            </a:r>
+            <a:r>
+              <a:rPr lang="es-ES" dirty="0"/>
+              <a:t> </a:t>
+            </a:r>
+            <a:r>
+              <a:rPr lang="es-ES" dirty="0" err="1"/>
+              <a:t>is</a:t>
+            </a:r>
+            <a:r>
+              <a:rPr lang="es-ES" dirty="0"/>
+              <a:t> </a:t>
+            </a:r>
+            <a:r>
+              <a:rPr lang="es-ES" dirty="0" err="1"/>
+              <a:t>the</a:t>
+            </a:r>
+            <a:r>
+              <a:rPr lang="es-ES" dirty="0"/>
+              <a:t> time </a:t>
+            </a:r>
+            <a:r>
+              <a:rPr lang="es-ES" dirty="0" err="1"/>
+              <a:t>for</a:t>
+            </a:r>
+            <a:r>
+              <a:rPr lang="es-ES" dirty="0"/>
+              <a:t> a </a:t>
+            </a:r>
+            <a:r>
+              <a:rPr lang="es-ES" dirty="0" err="1"/>
+              <a:t>thunderstorm</a:t>
+            </a:r>
+            <a:r>
+              <a:rPr lang="es-ES" dirty="0"/>
+              <a:t> </a:t>
+            </a:r>
+            <a:r>
+              <a:rPr lang="es-ES" dirty="0" err="1"/>
+              <a:t>to</a:t>
+            </a:r>
+            <a:r>
+              <a:rPr lang="es-ES" dirty="0"/>
+              <a:t> </a:t>
+            </a:r>
+            <a:r>
+              <a:rPr lang="es-ES" dirty="0" err="1"/>
+              <a:t>arrive</a:t>
+            </a:r>
+            <a:r>
+              <a:rPr lang="es-ES" dirty="0"/>
+              <a:t> </a:t>
+            </a:r>
+            <a:r>
+              <a:rPr lang="es-ES" dirty="0" err="1"/>
+              <a:t>or</a:t>
+            </a:r>
+            <a:r>
+              <a:rPr lang="es-ES" dirty="0"/>
+              <a:t> </a:t>
+            </a:r>
+            <a:r>
+              <a:rPr lang="es-ES" dirty="0" err="1"/>
+              <a:t>for</a:t>
+            </a:r>
+            <a:r>
+              <a:rPr lang="es-ES" dirty="0"/>
+              <a:t> </a:t>
+            </a:r>
+            <a:r>
+              <a:rPr lang="es-ES" dirty="0" err="1"/>
+              <a:t>the</a:t>
+            </a:r>
+            <a:r>
+              <a:rPr lang="es-ES" dirty="0"/>
+              <a:t> </a:t>
+            </a:r>
+            <a:r>
+              <a:rPr lang="es-ES" dirty="0" err="1"/>
+              <a:t>sunset</a:t>
+            </a:r>
+            <a:r>
+              <a:rPr lang="es-ES" dirty="0"/>
+              <a:t>.</a:t>
+            </a:r>
+          </a:p>
+          <a:p>
+            <a:r>
+              <a:rPr lang="es-ES" dirty="0" err="1"/>
+              <a:t>If</a:t>
+            </a:r>
+            <a:r>
+              <a:rPr lang="es-ES" dirty="0"/>
+              <a:t> </a:t>
+            </a:r>
+            <a:r>
+              <a:rPr lang="es-ES" dirty="0" err="1"/>
+              <a:t>high</a:t>
+            </a:r>
+            <a:r>
+              <a:rPr lang="es-ES" dirty="0"/>
+              <a:t> </a:t>
+            </a:r>
+            <a:r>
+              <a:rPr lang="es-ES" dirty="0" err="1"/>
+              <a:t>variation</a:t>
+            </a:r>
+            <a:r>
+              <a:rPr lang="es-ES" dirty="0"/>
+              <a:t> </a:t>
+            </a:r>
+            <a:r>
+              <a:rPr lang="es-ES" dirty="0" err="1"/>
+              <a:t>of</a:t>
+            </a:r>
+            <a:r>
+              <a:rPr lang="es-ES" dirty="0"/>
+              <a:t> light </a:t>
+            </a:r>
+            <a:r>
+              <a:rPr lang="es-ES" dirty="0" err="1"/>
+              <a:t>during</a:t>
+            </a:r>
+            <a:r>
+              <a:rPr lang="es-ES" dirty="0"/>
+              <a:t> </a:t>
+            </a:r>
+            <a:r>
+              <a:rPr lang="es-ES" dirty="0" err="1"/>
+              <a:t>measurements</a:t>
+            </a:r>
+            <a:r>
+              <a:rPr lang="es-ES" dirty="0"/>
+              <a:t> </a:t>
+            </a:r>
+            <a:r>
+              <a:rPr lang="es-ES" dirty="0" err="1"/>
+              <a:t>it</a:t>
+            </a:r>
+            <a:r>
+              <a:rPr lang="es-ES" dirty="0"/>
+              <a:t> </a:t>
+            </a:r>
+            <a:r>
+              <a:rPr lang="es-ES" dirty="0" err="1"/>
+              <a:t>decreases</a:t>
+            </a:r>
+            <a:r>
+              <a:rPr lang="es-ES" dirty="0"/>
+              <a:t>.</a:t>
+            </a:r>
+            <a:endParaRPr lang="es-ES_tradnl" dirty="0"/>
+          </a:p>
+        </p:txBody>
+      </p:sp>
+    </p:spTree>
+    <p:extLst>
+      <p:ext uri="{BB962C8B-B14F-4D97-AF65-F5344CB8AC3E}">
+        <p14:creationId xmlns:p14="http://schemas.microsoft.com/office/powerpoint/2010/main" val="2328643667"/>
+      </p:ext>
+    </p:extLst>
+  </p:cSld>
+  <p:clrMapOvr>
+    <a:masterClrMapping/>
+  </p:clrMapOvr>
+</p:sld>
+</file>
+
+<file path=ppt/slides/slide8.xml><?xml version="1.0" encoding="utf-8"?>
+<p:sld xmlns:a="http://schemas.openxmlformats.org/drawingml/2006/main" xmlns:r="http://schemas.openxmlformats.org/officeDocument/2006/relationships" xmlns:p="http://schemas.openxmlformats.org/presentationml/2006/main">
+  <p:cSld>
+    <p:bg>
+      <p:bgPr>
+        <a:solidFill>
+          <a:schemeClr val="bg1"/>
+        </a:solidFill>
+        <a:effectLst/>
+      </p:bgPr>
+    </p:bg>
+    <p:spTree>
+      <p:nvGrpSpPr>
+        <p:cNvPr id="1" name=""/>
+        <p:cNvGrpSpPr/>
+        <p:nvPr/>
+      </p:nvGrpSpPr>
+      <p:grpSpPr>
+        <a:xfrm>
+          <a:off x="0" y="0"/>
+          <a:ext cx="0" cy="0"/>
+          <a:chOff x="0" y="0"/>
+          <a:chExt cx="0" cy="0"/>
+        </a:xfrm>
+      </p:grpSpPr>
       <p:sp>
         <p:nvSpPr>
           <p:cNvPr id="20" name="Rectangle 9">
@@ -7527,7 +7995,7 @@
 </p:sld>
 </file>
 
-<file path=ppt/slides/slide8.xml><?xml version="1.0" encoding="utf-8"?>
+<file path=ppt/slides/slide9.xml><?xml version="1.0" encoding="utf-8"?>
 <p:sld xmlns:a="http://schemas.openxmlformats.org/drawingml/2006/main" xmlns:r="http://schemas.openxmlformats.org/officeDocument/2006/relationships" xmlns:p="http://schemas.openxmlformats.org/presentationml/2006/main">
   <p:cSld>
     <p:bg>
